--- a/JavaInterview.pptx
+++ b/JavaInterview.pptx
@@ -3059,11 +3059,7 @@
           <a:p>
             <a:r>
               <a:rPr lang="en-CA" altLang="zh-CN"/>
-              <a:t>Java </a:t>
-            </a:r>
-            <a:r>
-              <a:rPr lang="en-CA" altLang="zh-CN"/>
-              <a:t>Interview </a:t>
+              <a:t>Java Interview </a:t>
             </a:r>
             <a:r>
               <a:rPr lang="en-CA" altLang="zh-CN" smtClean="0"/>
@@ -3160,6 +3156,14 @@
           <a:bodyPr/>
           <a:lstStyle/>
           <a:p>
+            <a:r>
+              <a:rPr lang="en-US" altLang="zh-CN" dirty="0" smtClean="0"/>
+              <a:t>This </a:t>
+            </a:r>
+            <a:r>
+              <a:rPr lang="en-US" altLang="zh-CN" smtClean="0"/>
+              <a:t>is the first page</a:t>
+            </a:r>
             <a:endParaRPr lang="zh-CN" altLang="en-US" dirty="0"/>
           </a:p>
         </p:txBody>
